--- a/figures/figure 2/figure_2.pptx
+++ b/figures/figure 2/figure_2.pptx
@@ -104,6 +104,11 @@
       </a:defRPr>
     </a:lvl9pPr>
   </p:defaultTextStyle>
+  <p:extLst>
+    <p:ext uri="{EFAFB233-063F-42B5-8137-9DF3F51BA10A}">
+      <p15:sldGuideLst xmlns:p15="http://schemas.microsoft.com/office/powerpoint/2012/main"/>
+    </p:ext>
+  </p:extLst>
 </p:presentation>
 </file>
 
@@ -254,7 +259,7 @@
           <a:p>
             <a:fld id="{56CA7F0D-375C-2F47-BB4D-C9F4824FD9A5}" type="datetimeFigureOut">
               <a:rPr lang="en-US" smtClean="0"/>
-              <a:t>12/3/21</a:t>
+              <a:t>12/7/21</a:t>
             </a:fld>
             <a:endParaRPr lang="en-US"/>
           </a:p>
@@ -452,7 +457,7 @@
           <a:p>
             <a:fld id="{56CA7F0D-375C-2F47-BB4D-C9F4824FD9A5}" type="datetimeFigureOut">
               <a:rPr lang="en-US" smtClean="0"/>
-              <a:t>12/3/21</a:t>
+              <a:t>12/7/21</a:t>
             </a:fld>
             <a:endParaRPr lang="en-US"/>
           </a:p>
@@ -660,7 +665,7 @@
           <a:p>
             <a:fld id="{56CA7F0D-375C-2F47-BB4D-C9F4824FD9A5}" type="datetimeFigureOut">
               <a:rPr lang="en-US" smtClean="0"/>
-              <a:t>12/3/21</a:t>
+              <a:t>12/7/21</a:t>
             </a:fld>
             <a:endParaRPr lang="en-US"/>
           </a:p>
@@ -858,7 +863,7 @@
           <a:p>
             <a:fld id="{56CA7F0D-375C-2F47-BB4D-C9F4824FD9A5}" type="datetimeFigureOut">
               <a:rPr lang="en-US" smtClean="0"/>
-              <a:t>12/3/21</a:t>
+              <a:t>12/7/21</a:t>
             </a:fld>
             <a:endParaRPr lang="en-US"/>
           </a:p>
@@ -1133,7 +1138,7 @@
           <a:p>
             <a:fld id="{56CA7F0D-375C-2F47-BB4D-C9F4824FD9A5}" type="datetimeFigureOut">
               <a:rPr lang="en-US" smtClean="0"/>
-              <a:t>12/3/21</a:t>
+              <a:t>12/7/21</a:t>
             </a:fld>
             <a:endParaRPr lang="en-US"/>
           </a:p>
@@ -1398,7 +1403,7 @@
           <a:p>
             <a:fld id="{56CA7F0D-375C-2F47-BB4D-C9F4824FD9A5}" type="datetimeFigureOut">
               <a:rPr lang="en-US" smtClean="0"/>
-              <a:t>12/3/21</a:t>
+              <a:t>12/7/21</a:t>
             </a:fld>
             <a:endParaRPr lang="en-US"/>
           </a:p>
@@ -1810,7 +1815,7 @@
           <a:p>
             <a:fld id="{56CA7F0D-375C-2F47-BB4D-C9F4824FD9A5}" type="datetimeFigureOut">
               <a:rPr lang="en-US" smtClean="0"/>
-              <a:t>12/3/21</a:t>
+              <a:t>12/7/21</a:t>
             </a:fld>
             <a:endParaRPr lang="en-US"/>
           </a:p>
@@ -1951,7 +1956,7 @@
           <a:p>
             <a:fld id="{56CA7F0D-375C-2F47-BB4D-C9F4824FD9A5}" type="datetimeFigureOut">
               <a:rPr lang="en-US" smtClean="0"/>
-              <a:t>12/3/21</a:t>
+              <a:t>12/7/21</a:t>
             </a:fld>
             <a:endParaRPr lang="en-US"/>
           </a:p>
@@ -2064,7 +2069,7 @@
           <a:p>
             <a:fld id="{56CA7F0D-375C-2F47-BB4D-C9F4824FD9A5}" type="datetimeFigureOut">
               <a:rPr lang="en-US" smtClean="0"/>
-              <a:t>12/3/21</a:t>
+              <a:t>12/7/21</a:t>
             </a:fld>
             <a:endParaRPr lang="en-US"/>
           </a:p>
@@ -2375,7 +2380,7 @@
           <a:p>
             <a:fld id="{56CA7F0D-375C-2F47-BB4D-C9F4824FD9A5}" type="datetimeFigureOut">
               <a:rPr lang="en-US" smtClean="0"/>
-              <a:t>12/3/21</a:t>
+              <a:t>12/7/21</a:t>
             </a:fld>
             <a:endParaRPr lang="en-US"/>
           </a:p>
@@ -2663,7 +2668,7 @@
           <a:p>
             <a:fld id="{56CA7F0D-375C-2F47-BB4D-C9F4824FD9A5}" type="datetimeFigureOut">
               <a:rPr lang="en-US" smtClean="0"/>
-              <a:t>12/3/21</a:t>
+              <a:t>12/7/21</a:t>
             </a:fld>
             <a:endParaRPr lang="en-US"/>
           </a:p>
@@ -2904,7 +2909,7 @@
           <a:p>
             <a:fld id="{56CA7F0D-375C-2F47-BB4D-C9F4824FD9A5}" type="datetimeFigureOut">
               <a:rPr lang="en-US" smtClean="0"/>
-              <a:t>12/3/21</a:t>
+              <a:t>12/7/21</a:t>
             </a:fld>
             <a:endParaRPr lang="en-US"/>
           </a:p>
@@ -3323,10 +3328,10 @@
       </p:grpSpPr>
       <p:pic>
         <p:nvPicPr>
-          <p:cNvPr id="5" name="Picture 4">
-            <a:extLst>
-              <a:ext uri="{FF2B5EF4-FFF2-40B4-BE49-F238E27FC236}">
-                <a16:creationId xmlns:a16="http://schemas.microsoft.com/office/drawing/2014/main" id="{06D53D95-AA05-E749-B9F2-ECD9B75627C7}"/>
+          <p:cNvPr id="3" name="Picture 2">
+            <a:extLst>
+              <a:ext uri="{FF2B5EF4-FFF2-40B4-BE49-F238E27FC236}">
+                <a16:creationId xmlns:a16="http://schemas.microsoft.com/office/drawing/2014/main" id="{09845725-49BE-2742-BCE2-80EEC9F86472}"/>
               </a:ext>
             </a:extLst>
           </p:cNvPr>

--- a/figures/figure 2/figure_2.pptx
+++ b/figures/figure 2/figure_2.pptx
@@ -259,7 +259,7 @@
           <a:p>
             <a:fld id="{56CA7F0D-375C-2F47-BB4D-C9F4824FD9A5}" type="datetimeFigureOut">
               <a:rPr lang="en-US" smtClean="0"/>
-              <a:t>12/7/21</a:t>
+              <a:t>5/3/22</a:t>
             </a:fld>
             <a:endParaRPr lang="en-US"/>
           </a:p>
@@ -457,7 +457,7 @@
           <a:p>
             <a:fld id="{56CA7F0D-375C-2F47-BB4D-C9F4824FD9A5}" type="datetimeFigureOut">
               <a:rPr lang="en-US" smtClean="0"/>
-              <a:t>12/7/21</a:t>
+              <a:t>5/3/22</a:t>
             </a:fld>
             <a:endParaRPr lang="en-US"/>
           </a:p>
@@ -665,7 +665,7 @@
           <a:p>
             <a:fld id="{56CA7F0D-375C-2F47-BB4D-C9F4824FD9A5}" type="datetimeFigureOut">
               <a:rPr lang="en-US" smtClean="0"/>
-              <a:t>12/7/21</a:t>
+              <a:t>5/3/22</a:t>
             </a:fld>
             <a:endParaRPr lang="en-US"/>
           </a:p>
@@ -863,7 +863,7 @@
           <a:p>
             <a:fld id="{56CA7F0D-375C-2F47-BB4D-C9F4824FD9A5}" type="datetimeFigureOut">
               <a:rPr lang="en-US" smtClean="0"/>
-              <a:t>12/7/21</a:t>
+              <a:t>5/3/22</a:t>
             </a:fld>
             <a:endParaRPr lang="en-US"/>
           </a:p>
@@ -1138,7 +1138,7 @@
           <a:p>
             <a:fld id="{56CA7F0D-375C-2F47-BB4D-C9F4824FD9A5}" type="datetimeFigureOut">
               <a:rPr lang="en-US" smtClean="0"/>
-              <a:t>12/7/21</a:t>
+              <a:t>5/3/22</a:t>
             </a:fld>
             <a:endParaRPr lang="en-US"/>
           </a:p>
@@ -1403,7 +1403,7 @@
           <a:p>
             <a:fld id="{56CA7F0D-375C-2F47-BB4D-C9F4824FD9A5}" type="datetimeFigureOut">
               <a:rPr lang="en-US" smtClean="0"/>
-              <a:t>12/7/21</a:t>
+              <a:t>5/3/22</a:t>
             </a:fld>
             <a:endParaRPr lang="en-US"/>
           </a:p>
@@ -1815,7 +1815,7 @@
           <a:p>
             <a:fld id="{56CA7F0D-375C-2F47-BB4D-C9F4824FD9A5}" type="datetimeFigureOut">
               <a:rPr lang="en-US" smtClean="0"/>
-              <a:t>12/7/21</a:t>
+              <a:t>5/3/22</a:t>
             </a:fld>
             <a:endParaRPr lang="en-US"/>
           </a:p>
@@ -1956,7 +1956,7 @@
           <a:p>
             <a:fld id="{56CA7F0D-375C-2F47-BB4D-C9F4824FD9A5}" type="datetimeFigureOut">
               <a:rPr lang="en-US" smtClean="0"/>
-              <a:t>12/7/21</a:t>
+              <a:t>5/3/22</a:t>
             </a:fld>
             <a:endParaRPr lang="en-US"/>
           </a:p>
@@ -2069,7 +2069,7 @@
           <a:p>
             <a:fld id="{56CA7F0D-375C-2F47-BB4D-C9F4824FD9A5}" type="datetimeFigureOut">
               <a:rPr lang="en-US" smtClean="0"/>
-              <a:t>12/7/21</a:t>
+              <a:t>5/3/22</a:t>
             </a:fld>
             <a:endParaRPr lang="en-US"/>
           </a:p>
@@ -2380,7 +2380,7 @@
           <a:p>
             <a:fld id="{56CA7F0D-375C-2F47-BB4D-C9F4824FD9A5}" type="datetimeFigureOut">
               <a:rPr lang="en-US" smtClean="0"/>
-              <a:t>12/7/21</a:t>
+              <a:t>5/3/22</a:t>
             </a:fld>
             <a:endParaRPr lang="en-US"/>
           </a:p>
@@ -2668,7 +2668,7 @@
           <a:p>
             <a:fld id="{56CA7F0D-375C-2F47-BB4D-C9F4824FD9A5}" type="datetimeFigureOut">
               <a:rPr lang="en-US" smtClean="0"/>
-              <a:t>12/7/21</a:t>
+              <a:t>5/3/22</a:t>
             </a:fld>
             <a:endParaRPr lang="en-US"/>
           </a:p>
@@ -2909,7 +2909,7 @@
           <a:p>
             <a:fld id="{56CA7F0D-375C-2F47-BB4D-C9F4824FD9A5}" type="datetimeFigureOut">
               <a:rPr lang="en-US" smtClean="0"/>
-              <a:t>12/7/21</a:t>
+              <a:t>5/3/22</a:t>
             </a:fld>
             <a:endParaRPr lang="en-US"/>
           </a:p>
@@ -3342,9 +3342,8 @@
         </p:nvPicPr>
         <p:blipFill>
           <a:blip r:embed="rId2"/>
-          <a:stretch>
-            <a:fillRect/>
-          </a:stretch>
+          <a:srcRect/>
+          <a:stretch/>
         </p:blipFill>
         <p:spPr>
           <a:xfrm>
@@ -3370,7 +3369,7 @@
         </p:nvSpPr>
         <p:spPr>
           <a:xfrm>
-            <a:off x="3783724" y="1177160"/>
+            <a:off x="3783724" y="1226855"/>
             <a:ext cx="631904" cy="215444"/>
           </a:xfrm>
           <a:prstGeom prst="rect">
@@ -3409,7 +3408,7 @@
         </p:nvSpPr>
         <p:spPr>
           <a:xfrm>
-            <a:off x="4734910" y="1177160"/>
+            <a:off x="4734910" y="1226855"/>
             <a:ext cx="562975" cy="215444"/>
           </a:xfrm>
           <a:prstGeom prst="rect">
@@ -3448,7 +3447,7 @@
         </p:nvSpPr>
         <p:spPr>
           <a:xfrm>
-            <a:off x="7630510" y="961716"/>
+            <a:off x="7630510" y="1011411"/>
             <a:ext cx="511679" cy="215444"/>
           </a:xfrm>
           <a:prstGeom prst="rect">
@@ -3487,7 +3486,7 @@
         </p:nvSpPr>
         <p:spPr>
           <a:xfrm>
-            <a:off x="3769887" y="2624936"/>
+            <a:off x="3769887" y="2734265"/>
             <a:ext cx="631904" cy="215444"/>
           </a:xfrm>
           <a:prstGeom prst="rect">
@@ -3526,7 +3525,7 @@
         </p:nvSpPr>
         <p:spPr>
           <a:xfrm>
-            <a:off x="4721073" y="2624936"/>
+            <a:off x="4721073" y="2734265"/>
             <a:ext cx="562975" cy="215444"/>
           </a:xfrm>
           <a:prstGeom prst="rect">
@@ -3565,7 +3564,7 @@
         </p:nvSpPr>
         <p:spPr>
           <a:xfrm>
-            <a:off x="7630509" y="2283368"/>
+            <a:off x="7630509" y="2333063"/>
             <a:ext cx="511679" cy="215444"/>
           </a:xfrm>
           <a:prstGeom prst="rect">
@@ -3604,7 +3603,7 @@
         </p:nvSpPr>
         <p:spPr>
           <a:xfrm>
-            <a:off x="3769883" y="4097719"/>
+            <a:off x="3769883" y="4147414"/>
             <a:ext cx="631904" cy="215444"/>
           </a:xfrm>
           <a:prstGeom prst="rect">
@@ -3643,7 +3642,7 @@
         </p:nvSpPr>
         <p:spPr>
           <a:xfrm>
-            <a:off x="4721069" y="4097719"/>
+            <a:off x="4721069" y="4147414"/>
             <a:ext cx="562975" cy="215444"/>
           </a:xfrm>
           <a:prstGeom prst="rect">
@@ -3682,7 +3681,7 @@
         </p:nvSpPr>
         <p:spPr>
           <a:xfrm>
-            <a:off x="7616669" y="3882275"/>
+            <a:off x="7616669" y="4031360"/>
             <a:ext cx="511679" cy="215444"/>
           </a:xfrm>
           <a:prstGeom prst="rect">
